--- a/Presentation/GLJRPGToinenSeminaariXAMK .pptx
+++ b/Presentation/GLJRPGToinenSeminaariXAMK .pptx
@@ -212,7 +212,7 @@
           <a:p>
             <a:fld id="{997DDE6A-8FD4-4BA5-8925-9C5BE442C160}" type="datetimeFigureOut">
               <a:rPr lang="en-US" smtClean="0"/>
-              <a:t>13-11-19</a:t>
+              <a:t>17-11-19</a:t>
             </a:fld>
             <a:endParaRPr lang="en-US"/>
           </a:p>
@@ -1295,11 +1295,211 @@
             </a:r>
             <a:r>
               <a:rPr lang="en-US" dirty="0" err="1"/>
+              <a:t>Ite</a:t>
+            </a:r>
+            <a:r>
+              <a:rPr lang="en-US" dirty="0"/>
+              <a:t> 3d </a:t>
+            </a:r>
+            <a:r>
+              <a:rPr lang="en-US" dirty="0" err="1"/>
+              <a:t>mallien</a:t>
+            </a:r>
+            <a:r>
+              <a:rPr lang="en-US" dirty="0"/>
+              <a:t> ja </a:t>
+            </a:r>
+            <a:r>
+              <a:rPr lang="en-US" dirty="0" err="1"/>
+              <a:t>peliobjektien</a:t>
+            </a:r>
+            <a:r>
+              <a:rPr lang="en-US" dirty="0"/>
+              <a:t> </a:t>
+            </a:r>
+            <a:r>
+              <a:rPr lang="en-US" dirty="0" err="1"/>
+              <a:t>piirto</a:t>
+            </a:r>
+            <a:r>
+              <a:rPr lang="en-US" dirty="0"/>
+              <a:t> </a:t>
+            </a:r>
+            <a:r>
+              <a:rPr lang="en-US" dirty="0" err="1"/>
+              <a:t>tapahtuu</a:t>
+            </a:r>
+            <a:r>
+              <a:rPr lang="en-US" dirty="0"/>
+              <a:t> OpenGL Shading </a:t>
+            </a:r>
+            <a:r>
+              <a:rPr lang="en-US" dirty="0" err="1"/>
+              <a:t>Languagella</a:t>
+            </a:r>
+            <a:r>
+              <a:rPr lang="en-US" dirty="0"/>
+              <a:t> </a:t>
+            </a:r>
+            <a:r>
+              <a:rPr lang="en-US" dirty="0" err="1"/>
+              <a:t>eli</a:t>
+            </a:r>
+            <a:r>
+              <a:rPr lang="en-US" dirty="0"/>
+              <a:t> </a:t>
+            </a:r>
+            <a:r>
+              <a:rPr lang="en-US" dirty="0" err="1"/>
+              <a:t>GLSL:llä</a:t>
+            </a:r>
+            <a:r>
+              <a:rPr lang="en-US" dirty="0"/>
+              <a:t> </a:t>
+            </a:r>
+            <a:r>
+              <a:rPr lang="en-US" dirty="0" err="1"/>
+              <a:t>kirjoitetuilla</a:t>
+            </a:r>
+            <a:r>
+              <a:rPr lang="en-US" dirty="0"/>
+              <a:t> </a:t>
+            </a:r>
+            <a:r>
+              <a:rPr lang="en-US" dirty="0" err="1"/>
+              <a:t>shadereilla</a:t>
+            </a:r>
+            <a:r>
+              <a:rPr lang="en-US" dirty="0"/>
+              <a:t>. </a:t>
+            </a:r>
+            <a:r>
+              <a:rPr lang="en-US" dirty="0" err="1"/>
+              <a:t>Vertexshaderit</a:t>
+            </a:r>
+            <a:r>
+              <a:rPr lang="en-US" dirty="0"/>
+              <a:t> </a:t>
+            </a:r>
+            <a:r>
+              <a:rPr lang="en-US" dirty="0" err="1"/>
+              <a:t>kertoo</a:t>
+            </a:r>
+            <a:r>
+              <a:rPr lang="en-US" dirty="0"/>
+              <a:t> </a:t>
+            </a:r>
+            <a:r>
+              <a:rPr lang="en-US" dirty="0" err="1"/>
+              <a:t>OpenGL:lle</a:t>
+            </a:r>
+            <a:r>
+              <a:rPr lang="en-US" dirty="0"/>
+              <a:t> </a:t>
+            </a:r>
+            <a:r>
+              <a:rPr lang="en-US" dirty="0" err="1"/>
+              <a:t>missä</a:t>
+            </a:r>
+            <a:r>
+              <a:rPr lang="en-US" dirty="0"/>
+              <a:t> </a:t>
+            </a:r>
+            <a:r>
+              <a:rPr lang="en-US" dirty="0" err="1"/>
+              <a:t>verteksit</a:t>
+            </a:r>
+            <a:r>
+              <a:rPr lang="en-US" dirty="0"/>
+              <a:t> </a:t>
+            </a:r>
+            <a:r>
+              <a:rPr lang="en-US" dirty="0" err="1"/>
+              <a:t>sijaitsee</a:t>
+            </a:r>
+            <a:r>
+              <a:rPr lang="en-US" dirty="0"/>
+              <a:t>, ja </a:t>
+            </a:r>
+            <a:r>
+              <a:rPr lang="en-US" dirty="0" err="1"/>
+              <a:t>syöttää</a:t>
+            </a:r>
+            <a:r>
+              <a:rPr lang="en-US" dirty="0"/>
+              <a:t> </a:t>
+            </a:r>
+            <a:r>
+              <a:rPr lang="en-US" dirty="0" err="1"/>
+              <a:t>tekstuurikoordinaatit</a:t>
+            </a:r>
+            <a:r>
+              <a:rPr lang="en-US" dirty="0"/>
+              <a:t> </a:t>
+            </a:r>
+            <a:r>
+              <a:rPr lang="en-US" dirty="0" err="1"/>
+              <a:t>eteepäi</a:t>
+            </a:r>
+            <a:r>
+              <a:rPr lang="en-US" dirty="0"/>
+              <a:t> </a:t>
+            </a:r>
+            <a:r>
+              <a:rPr lang="en-US" dirty="0" err="1"/>
+              <a:t>fragmentshaderille</a:t>
+            </a:r>
+            <a:r>
+              <a:rPr lang="en-US" dirty="0"/>
+              <a:t>. </a:t>
+            </a:r>
+            <a:r>
+              <a:rPr lang="en-US" dirty="0" err="1"/>
+              <a:t>Fragmentshader</a:t>
+            </a:r>
+            <a:r>
+              <a:rPr lang="en-US" dirty="0"/>
+              <a:t> </a:t>
+            </a:r>
+            <a:r>
+              <a:rPr lang="en-US" dirty="0" err="1"/>
+              <a:t>kertoo</a:t>
+            </a:r>
+            <a:r>
+              <a:rPr lang="en-US" dirty="0"/>
+              <a:t> mite </a:t>
+            </a:r>
+            <a:r>
+              <a:rPr lang="en-US" dirty="0" err="1"/>
+              <a:t>verteksien</a:t>
+            </a:r>
+            <a:r>
+              <a:rPr lang="en-US" dirty="0"/>
+              <a:t> valine </a:t>
+            </a:r>
+            <a:r>
+              <a:rPr lang="en-US" dirty="0" err="1"/>
+              <a:t>alue</a:t>
+            </a:r>
+            <a:r>
+              <a:rPr lang="en-US" dirty="0"/>
+              <a:t> </a:t>
+            </a:r>
+            <a:r>
+              <a:rPr lang="en-US" dirty="0" err="1"/>
+              <a:t>väritetään</a:t>
+            </a:r>
+            <a:r>
+              <a:rPr lang="en-US" dirty="0"/>
+              <a:t>. </a:t>
+            </a:r>
+            <a:r>
+              <a:rPr lang="en-US" dirty="0" err="1"/>
               <a:t>GLADia</a:t>
             </a:r>
             <a:r>
               <a:rPr lang="en-US" dirty="0"/>
-              <a:t> </a:t>
+              <a:t>(Multi-Language GL/GLES/EGL/GLX/WGL Loader-Generator) </a:t>
             </a:r>
             <a:r>
               <a:rPr lang="en-US" dirty="0" err="1"/>
@@ -1323,7 +1523,7 @@
             </a:r>
             <a:r>
               <a:rPr lang="en-US" dirty="0"/>
-              <a:t>. GLM </a:t>
+              <a:t>. GLM(OpenGL Mathematics) </a:t>
             </a:r>
             <a:r>
               <a:rPr lang="en-US" dirty="0" err="1"/>
@@ -4280,13 +4480,8 @@
           <a:p>
             <a:r>
               <a:rPr lang="fi-FI" dirty="0"/>
-              <a:t>Mallien lataus aluksi omalla mallinlataajalla, myöhemmin </a:t>
-            </a:r>
-            <a:r>
-              <a:rPr lang="fi-FI" dirty="0" err="1"/>
-              <a:t>assimp:illa</a:t>
-            </a:r>
-            <a:endParaRPr lang="fi-FI" dirty="0"/>
+              <a:t>Mallien lataus omalla mallinlataajalla</a:t>
+            </a:r>
           </a:p>
           <a:p>
             <a:endParaRPr lang="fi-FI" dirty="0"/>
@@ -4958,12 +5153,13 @@
 </file>
 
 <file path=customXml/item1.xml><?xml version="1.0" encoding="utf-8"?>
-<?mso-contentType ?>
-<FormTemplates xmlns="http://schemas.microsoft.com/sharepoint/v3/contenttype/forms">
-  <Display>DocumentLibraryForm</Display>
-  <Edit>DocumentLibraryForm</Edit>
-  <New>DocumentLibraryForm</New>
-</FormTemplates>
+<p:properties xmlns:p="http://schemas.microsoft.com/office/2006/metadata/properties" xmlns:xsi="http://www.w3.org/2001/XMLSchema-instance" xmlns:pc="http://schemas.microsoft.com/office/infopath/2007/PartnerControls">
+  <documentManagement>
+    <a07c3fd0247140d68b99fdbcf50c8190 xmlns="25e7f6bf-72c1-4870-aa83-3dac08eebaf4">
+      <Terms xmlns="http://schemas.microsoft.com/office/infopath/2007/PartnerControls"/>
+    </a07c3fd0247140d68b99fdbcf50c8190>
+  </documentManagement>
+</p:properties>
 </file>
 
 <file path=customXml/item2.xml><?xml version="1.0" encoding="utf-8"?>
@@ -5095,19 +5291,20 @@
 </file>
 
 <file path=customXml/item3.xml><?xml version="1.0" encoding="utf-8"?>
-<p:properties xmlns:p="http://schemas.microsoft.com/office/2006/metadata/properties" xmlns:xsi="http://www.w3.org/2001/XMLSchema-instance" xmlns:pc="http://schemas.microsoft.com/office/infopath/2007/PartnerControls">
-  <documentManagement>
-    <a07c3fd0247140d68b99fdbcf50c8190 xmlns="25e7f6bf-72c1-4870-aa83-3dac08eebaf4">
-      <Terms xmlns="http://schemas.microsoft.com/office/infopath/2007/PartnerControls"/>
-    </a07c3fd0247140d68b99fdbcf50c8190>
-  </documentManagement>
-</p:properties>
+<?mso-contentType ?>
+<FormTemplates xmlns="http://schemas.microsoft.com/sharepoint/v3/contenttype/forms">
+  <Display>DocumentLibraryForm</Display>
+  <Edit>DocumentLibraryForm</Edit>
+  <New>DocumentLibraryForm</New>
+</FormTemplates>
 </file>
 
 <file path=customXml/itemProps1.xml><?xml version="1.0" encoding="utf-8"?>
-<ds:datastoreItem xmlns:ds="http://schemas.openxmlformats.org/officeDocument/2006/customXml" ds:itemID="{E4F4751A-FFB1-49A1-895C-66005EA66C56}">
+<ds:datastoreItem xmlns:ds="http://schemas.openxmlformats.org/officeDocument/2006/customXml" ds:itemID="{73A9BBC0-0279-4D7C-AB77-BCE83234F2CC}">
   <ds:schemaRefs>
-    <ds:schemaRef ds:uri="http://schemas.microsoft.com/sharepoint/v3/contenttype/forms"/>
+    <ds:schemaRef ds:uri="http://schemas.microsoft.com/office/2006/metadata/properties"/>
+    <ds:schemaRef ds:uri="http://schemas.microsoft.com/office/infopath/2007/PartnerControls"/>
+    <ds:schemaRef ds:uri="25e7f6bf-72c1-4870-aa83-3dac08eebaf4"/>
   </ds:schemaRefs>
 </ds:datastoreItem>
 </file>
@@ -5131,11 +5328,9 @@
 </file>
 
 <file path=customXml/itemProps3.xml><?xml version="1.0" encoding="utf-8"?>
-<ds:datastoreItem xmlns:ds="http://schemas.openxmlformats.org/officeDocument/2006/customXml" ds:itemID="{73A9BBC0-0279-4D7C-AB77-BCE83234F2CC}">
+<ds:datastoreItem xmlns:ds="http://schemas.openxmlformats.org/officeDocument/2006/customXml" ds:itemID="{E4F4751A-FFB1-49A1-895C-66005EA66C56}">
   <ds:schemaRefs>
-    <ds:schemaRef ds:uri="http://schemas.microsoft.com/office/2006/metadata/properties"/>
-    <ds:schemaRef ds:uri="http://schemas.microsoft.com/office/infopath/2007/PartnerControls"/>
-    <ds:schemaRef ds:uri="25e7f6bf-72c1-4870-aa83-3dac08eebaf4"/>
+    <ds:schemaRef ds:uri="http://schemas.microsoft.com/sharepoint/v3/contenttype/forms"/>
   </ds:schemaRefs>
 </ds:datastoreItem>
 </file>